--- a/GenViz_Module6_Lecture.pptx
+++ b/GenViz_Module6_Lecture.pptx
@@ -117,7 +117,7 @@
   </p:defaultTextStyle>
   <p:extLst>
     <p:ext uri="{EFAFB233-063F-42B5-8137-9DF3F51BA10A}">
-      <p15:sldGuideLst xmlns:p15="http://schemas.microsoft.com/office/powerpoint/2012/main" xmlns="">
+      <p15:sldGuideLst xmlns:p15="http://schemas.microsoft.com/office/powerpoint/2012/main">
         <p15:guide id="1" orient="horz" pos="2160">
           <p15:clr>
             <a:srgbClr val="A4A3A4"/>
@@ -217,7 +217,7 @@
             <a:fld id="{03643E35-CD80-874A-A3D7-254E954BB753}" type="datetimeFigureOut">
               <a:rPr lang="en-US" smtClean="0"/>
               <a:pPr/>
-              <a:t>9/11/17</a:t>
+              <a:t>4/11/19</a:t>
             </a:fld>
             <a:endParaRPr lang="en-US"/>
           </a:p>
@@ -384,7 +384,7 @@
             <a:fld id="{5C416C15-7665-174C-99B8-5B237ACA6582}" type="datetimeFigureOut">
               <a:rPr lang="en-US" smtClean="0"/>
               <a:pPr/>
-              <a:t>9/11/17</a:t>
+              <a:t>4/11/19</a:t>
             </a:fld>
             <a:endParaRPr lang="en-US"/>
           </a:p>
@@ -450,38 +450,37 @@
           <a:p>
             <a:pPr lvl="0"/>
             <a:r>
-              <a:rPr lang="en-US" smtClean="0"/>
+              <a:rPr lang="en-US"/>
               <a:t>Click to edit Master text styles</a:t>
             </a:r>
           </a:p>
           <a:p>
             <a:pPr lvl="1"/>
             <a:r>
-              <a:rPr lang="en-US" smtClean="0"/>
+              <a:rPr lang="en-US"/>
               <a:t>Second level</a:t>
             </a:r>
           </a:p>
           <a:p>
             <a:pPr lvl="2"/>
             <a:r>
-              <a:rPr lang="en-US" smtClean="0"/>
+              <a:rPr lang="en-US"/>
               <a:t>Third level</a:t>
             </a:r>
           </a:p>
           <a:p>
             <a:pPr lvl="3"/>
             <a:r>
-              <a:rPr lang="en-US" smtClean="0"/>
+              <a:rPr lang="en-US"/>
               <a:t>Fourth level</a:t>
             </a:r>
           </a:p>
           <a:p>
             <a:pPr lvl="4"/>
             <a:r>
-              <a:rPr lang="en-US" smtClean="0"/>
+              <a:rPr lang="en-US"/>
               <a:t>Fifth level</a:t>
             </a:r>
-            <a:endParaRPr lang="en-US"/>
           </a:p>
         </p:txBody>
       </p:sp>
@@ -704,11 +703,11 @@
               <a:buChar char="•"/>
             </a:pPr>
             <a:r>
-              <a:rPr lang="en-US" dirty="0" smtClean="0"/>
+              <a:rPr lang="en-US" dirty="0"/>
               <a:t>Note there</a:t>
             </a:r>
             <a:r>
-              <a:rPr lang="en-US" baseline="0" dirty="0" smtClean="0"/>
+              <a:rPr lang="en-US" baseline="0" dirty="0"/>
               <a:t> are two licenses if effect for this course. </a:t>
             </a:r>
           </a:p>
@@ -718,31 +717,31 @@
               <a:buChar char="•"/>
             </a:pPr>
             <a:r>
-              <a:rPr lang="en-US" baseline="0" dirty="0" smtClean="0"/>
+              <a:rPr lang="en-US" baseline="0" dirty="0"/>
               <a:t>All *content* (lectures, written materials, etc.) are made available under the Creative Commons Attribution-</a:t>
             </a:r>
             <a:r>
-              <a:rPr lang="en-US" baseline="0" dirty="0" err="1" smtClean="0"/>
+              <a:rPr lang="en-US" baseline="0" dirty="0" err="1"/>
               <a:t>ShareAlike</a:t>
             </a:r>
             <a:r>
-              <a:rPr lang="en-US" baseline="0" dirty="0" smtClean="0"/>
+              <a:rPr lang="en-US" baseline="0" dirty="0"/>
               <a:t> 4.0 International (CC BY-SA 4.0). (https://</a:t>
             </a:r>
             <a:r>
-              <a:rPr lang="en-US" baseline="0" dirty="0" err="1" smtClean="0"/>
+              <a:rPr lang="en-US" baseline="0" dirty="0" err="1"/>
               <a:t>creativecommons.org</a:t>
             </a:r>
             <a:r>
-              <a:rPr lang="en-US" baseline="0" dirty="0" smtClean="0"/>
+              <a:rPr lang="en-US" baseline="0" dirty="0"/>
               <a:t>/licenses/by-</a:t>
             </a:r>
             <a:r>
-              <a:rPr lang="en-US" baseline="0" dirty="0" err="1" smtClean="0"/>
+              <a:rPr lang="en-US" baseline="0" dirty="0" err="1"/>
               <a:t>sa</a:t>
             </a:r>
             <a:r>
-              <a:rPr lang="en-US" baseline="0" dirty="0" smtClean="0"/>
+              <a:rPr lang="en-US" baseline="0" dirty="0"/>
               <a:t>/4.0/).</a:t>
             </a:r>
           </a:p>
@@ -752,15 +751,15 @@
               <a:buChar char="•"/>
             </a:pPr>
             <a:r>
-              <a:rPr lang="en-US" baseline="0" dirty="0" smtClean="0"/>
+              <a:rPr lang="en-US" baseline="0" dirty="0"/>
               <a:t>All *code* (R scripts the website code itself) are made available under the MIT License (https://</a:t>
             </a:r>
             <a:r>
-              <a:rPr lang="en-US" baseline="0" dirty="0" err="1" smtClean="0"/>
+              <a:rPr lang="en-US" baseline="0" dirty="0" err="1"/>
               <a:t>opensource.org</a:t>
             </a:r>
             <a:r>
-              <a:rPr lang="en-US" baseline="0" dirty="0" smtClean="0"/>
+              <a:rPr lang="en-US" baseline="0" dirty="0"/>
               <a:t>/licenses/MIT).</a:t>
             </a:r>
             <a:endParaRPr lang="en-US" dirty="0"/>
@@ -868,7 +867,7 @@
           </a:lstStyle>
           <a:p>
             <a:r>
-              <a:rPr lang="en-US" smtClean="0"/>
+              <a:rPr lang="en-US"/>
               <a:t>Click to edit Master title style</a:t>
             </a:r>
             <a:endParaRPr lang="en-US" dirty="0"/>
@@ -990,7 +989,7 @@
           </a:lstStyle>
           <a:p>
             <a:r>
-              <a:rPr lang="en-US" smtClean="0"/>
+              <a:rPr lang="en-US"/>
               <a:t>Click to edit Master subtitle style</a:t>
             </a:r>
             <a:endParaRPr lang="en-US" dirty="0"/>
@@ -1025,7 +1024,7 @@
           </a:lstStyle>
           <a:p>
             <a:r>
-              <a:rPr lang="en-US" smtClean="0"/>
+              <a:rPr lang="en-US"/>
               <a:t>Presenter &lt;address@genome.wustl.edu&gt;</a:t>
             </a:r>
             <a:endParaRPr lang="en-US" dirty="0"/>
@@ -1042,13 +1041,6 @@
   <p:clrMapOvr>
     <a:masterClrMapping/>
   </p:clrMapOvr>
-  <p:timing>
-    <p:tnLst>
-      <p:par>
-        <p:cTn xmlns:p14="http://schemas.microsoft.com/office/powerpoint/2010/main" id="1" dur="indefinite" restart="never" nodeType="tmRoot"/>
-      </p:par>
-    </p:tnLst>
-  </p:timing>
 </p:sldLayout>
 </file>
 
@@ -1085,7 +1077,7 @@
           <a:lstStyle/>
           <a:p>
             <a:r>
-              <a:rPr lang="en-US" smtClean="0"/>
+              <a:rPr lang="en-US"/>
               <a:t>Click to edit Master title style</a:t>
             </a:r>
             <a:endParaRPr lang="en-US" dirty="0"/>
@@ -1115,7 +1107,7 @@
           </a:lstStyle>
           <a:p>
             <a:r>
-              <a:rPr lang="en-US" smtClean="0"/>
+              <a:rPr lang="en-US"/>
               <a:t>Presenter &lt;address@genome.wustl.edu&gt;</a:t>
             </a:r>
             <a:endParaRPr lang="en-US" dirty="0"/>
@@ -1149,35 +1141,35 @@
           <a:p>
             <a:pPr lvl="0"/>
             <a:r>
-              <a:rPr lang="en-US" smtClean="0"/>
+              <a:rPr lang="en-US"/>
               <a:t>Click to edit Master text styles</a:t>
             </a:r>
           </a:p>
           <a:p>
             <a:pPr lvl="1"/>
             <a:r>
-              <a:rPr lang="en-US" smtClean="0"/>
+              <a:rPr lang="en-US"/>
               <a:t>Second level</a:t>
             </a:r>
           </a:p>
           <a:p>
             <a:pPr lvl="2"/>
             <a:r>
-              <a:rPr lang="en-US" smtClean="0"/>
+              <a:rPr lang="en-US"/>
               <a:t>Third level</a:t>
             </a:r>
           </a:p>
           <a:p>
             <a:pPr lvl="3"/>
             <a:r>
-              <a:rPr lang="en-US" smtClean="0"/>
+              <a:rPr lang="en-US"/>
               <a:t>Fourth level</a:t>
             </a:r>
           </a:p>
           <a:p>
             <a:pPr lvl="4"/>
             <a:r>
-              <a:rPr lang="en-US" smtClean="0"/>
+              <a:rPr lang="en-US"/>
               <a:t>Fifth level</a:t>
             </a:r>
             <a:endParaRPr lang="en-US" dirty="0"/>
@@ -1252,7 +1244,7 @@
           </a:lstStyle>
           <a:p>
             <a:r>
-              <a:rPr lang="en-US" smtClean="0"/>
+              <a:rPr lang="en-US"/>
               <a:t>Click to edit Master title style</a:t>
             </a:r>
             <a:endParaRPr lang="en-US" dirty="0"/>
@@ -1275,7 +1267,7 @@
           <a:lstStyle/>
           <a:p>
             <a:r>
-              <a:rPr lang="en-US" smtClean="0"/>
+              <a:rPr lang="en-US"/>
               <a:t>Presenter &lt;address@genome.wustl.edu&gt;</a:t>
             </a:r>
             <a:endParaRPr lang="en-US" dirty="0"/>
@@ -1350,10 +1342,9 @@
           </a:lstStyle>
           <a:p>
             <a:r>
-              <a:rPr lang="en-US" dirty="0" smtClean="0"/>
+              <a:rPr lang="en-US" dirty="0"/>
               <a:t>Click to edit Master section title style</a:t>
             </a:r>
-            <a:endParaRPr lang="en-US" dirty="0"/>
           </a:p>
         </p:txBody>
       </p:sp>
@@ -1472,7 +1463,7 @@
           <a:p>
             <a:pPr lvl="0"/>
             <a:r>
-              <a:rPr lang="en-US" dirty="0" smtClean="0"/>
+              <a:rPr lang="en-US" dirty="0"/>
               <a:t>Click to edit Master section subtitle styles</a:t>
             </a:r>
           </a:p>
@@ -1501,7 +1492,7 @@
           </a:lstStyle>
           <a:p>
             <a:r>
-              <a:rPr lang="en-US" smtClean="0"/>
+              <a:rPr lang="en-US"/>
               <a:t>Presenter &lt;address@genome.wustl.edu&gt;</a:t>
             </a:r>
             <a:endParaRPr lang="en-US" dirty="0"/>
@@ -1554,7 +1545,7 @@
           <a:lstStyle/>
           <a:p>
             <a:r>
-              <a:rPr lang="en-US" smtClean="0"/>
+              <a:rPr lang="en-US"/>
               <a:t>Click to edit Master title style</a:t>
             </a:r>
             <a:endParaRPr lang="en-US" dirty="0"/>
@@ -1611,35 +1602,35 @@
           <a:p>
             <a:pPr lvl="0"/>
             <a:r>
-              <a:rPr lang="en-US" smtClean="0"/>
+              <a:rPr lang="en-US"/>
               <a:t>Click to edit Master text styles</a:t>
             </a:r>
           </a:p>
           <a:p>
             <a:pPr lvl="1"/>
             <a:r>
-              <a:rPr lang="en-US" smtClean="0"/>
+              <a:rPr lang="en-US"/>
               <a:t>Second level</a:t>
             </a:r>
           </a:p>
           <a:p>
             <a:pPr lvl="2"/>
             <a:r>
-              <a:rPr lang="en-US" smtClean="0"/>
+              <a:rPr lang="en-US"/>
               <a:t>Third level</a:t>
             </a:r>
           </a:p>
           <a:p>
             <a:pPr lvl="3"/>
             <a:r>
-              <a:rPr lang="en-US" smtClean="0"/>
+              <a:rPr lang="en-US"/>
               <a:t>Fourth level</a:t>
             </a:r>
           </a:p>
           <a:p>
             <a:pPr lvl="4"/>
             <a:r>
-              <a:rPr lang="en-US" smtClean="0"/>
+              <a:rPr lang="en-US"/>
               <a:t>Fifth level</a:t>
             </a:r>
             <a:endParaRPr lang="en-US" dirty="0"/>
@@ -1696,35 +1687,35 @@
           <a:p>
             <a:pPr lvl="0"/>
             <a:r>
-              <a:rPr lang="en-US" smtClean="0"/>
+              <a:rPr lang="en-US"/>
               <a:t>Click to edit Master text styles</a:t>
             </a:r>
           </a:p>
           <a:p>
             <a:pPr lvl="1"/>
             <a:r>
-              <a:rPr lang="en-US" smtClean="0"/>
+              <a:rPr lang="en-US"/>
               <a:t>Second level</a:t>
             </a:r>
           </a:p>
           <a:p>
             <a:pPr lvl="2"/>
             <a:r>
-              <a:rPr lang="en-US" smtClean="0"/>
+              <a:rPr lang="en-US"/>
               <a:t>Third level</a:t>
             </a:r>
           </a:p>
           <a:p>
             <a:pPr lvl="3"/>
             <a:r>
-              <a:rPr lang="en-US" smtClean="0"/>
+              <a:rPr lang="en-US"/>
               <a:t>Fourth level</a:t>
             </a:r>
           </a:p>
           <a:p>
             <a:pPr lvl="4"/>
             <a:r>
-              <a:rPr lang="en-US" smtClean="0"/>
+              <a:rPr lang="en-US"/>
               <a:t>Fifth level</a:t>
             </a:r>
             <a:endParaRPr lang="en-US" dirty="0"/>
@@ -1747,7 +1738,7 @@
           <a:lstStyle/>
           <a:p>
             <a:r>
-              <a:rPr lang="en-US" smtClean="0"/>
+              <a:rPr lang="en-US"/>
               <a:t>Presenter &lt;address@genome.wustl.edu&gt;</a:t>
             </a:r>
             <a:endParaRPr lang="en-US" dirty="0"/>
@@ -1800,10 +1791,9 @@
           <a:lstStyle/>
           <a:p>
             <a:r>
-              <a:rPr lang="en-US" smtClean="0"/>
+              <a:rPr lang="en-US"/>
               <a:t>Click to edit Master title style</a:t>
             </a:r>
-            <a:endParaRPr lang="en-US"/>
           </a:p>
         </p:txBody>
       </p:sp>
@@ -1823,7 +1813,7 @@
           <a:lstStyle/>
           <a:p>
             <a:r>
-              <a:rPr lang="en-US" smtClean="0"/>
+              <a:rPr lang="en-US"/>
               <a:t>Presenter &lt;address@genome.wustl.edu&gt;</a:t>
             </a:r>
             <a:endParaRPr lang="en-US" dirty="0"/>
@@ -1887,7 +1877,7 @@
           <a:lstStyle/>
           <a:p>
             <a:r>
-              <a:rPr lang="en-US" smtClean="0"/>
+              <a:rPr lang="en-US"/>
               <a:t>Presenter &lt;address@genome.wustl.edu&gt;</a:t>
             </a:r>
             <a:endParaRPr lang="en-US" dirty="0"/>
@@ -1962,7 +1952,7 @@
           </a:lstStyle>
           <a:p>
             <a:r>
-              <a:rPr lang="en-US" smtClean="0"/>
+              <a:rPr lang="en-US"/>
               <a:t>Click to edit Master title style</a:t>
             </a:r>
             <a:endParaRPr lang="en-US" dirty="0"/>
@@ -2019,35 +2009,35 @@
           <a:p>
             <a:pPr lvl="0"/>
             <a:r>
-              <a:rPr lang="en-US" smtClean="0"/>
+              <a:rPr lang="en-US"/>
               <a:t>Click to edit Master text styles</a:t>
             </a:r>
           </a:p>
           <a:p>
             <a:pPr lvl="1"/>
             <a:r>
-              <a:rPr lang="en-US" smtClean="0"/>
+              <a:rPr lang="en-US"/>
               <a:t>Second level</a:t>
             </a:r>
           </a:p>
           <a:p>
             <a:pPr lvl="2"/>
             <a:r>
-              <a:rPr lang="en-US" smtClean="0"/>
+              <a:rPr lang="en-US"/>
               <a:t>Third level</a:t>
             </a:r>
           </a:p>
           <a:p>
             <a:pPr lvl="3"/>
             <a:r>
-              <a:rPr lang="en-US" smtClean="0"/>
+              <a:rPr lang="en-US"/>
               <a:t>Fourth level</a:t>
             </a:r>
           </a:p>
           <a:p>
             <a:pPr lvl="4"/>
             <a:r>
-              <a:rPr lang="en-US" smtClean="0"/>
+              <a:rPr lang="en-US"/>
               <a:t>Fifth level</a:t>
             </a:r>
             <a:endParaRPr lang="en-US" dirty="0"/>
@@ -2115,7 +2105,7 @@
           <a:p>
             <a:pPr lvl="0"/>
             <a:r>
-              <a:rPr lang="en-US" smtClean="0"/>
+              <a:rPr lang="en-US"/>
               <a:t>Click to edit Master text styles</a:t>
             </a:r>
           </a:p>
@@ -2137,7 +2127,7 @@
           <a:lstStyle/>
           <a:p>
             <a:r>
-              <a:rPr lang="en-US" smtClean="0"/>
+              <a:rPr lang="en-US"/>
               <a:t>Presenter &lt;address@genome.wustl.edu&gt;</a:t>
             </a:r>
             <a:endParaRPr lang="en-US" dirty="0"/>
@@ -2210,10 +2200,9 @@
           </a:lstStyle>
           <a:p>
             <a:r>
-              <a:rPr lang="en-US" smtClean="0"/>
+              <a:rPr lang="en-US"/>
               <a:t>Click to edit Master title style</a:t>
             </a:r>
-            <a:endParaRPr lang="en-US"/>
           </a:p>
         </p:txBody>
       </p:sp>
@@ -2277,7 +2266,7 @@
           </a:lstStyle>
           <a:p>
             <a:r>
-              <a:rPr lang="en-US" smtClean="0"/>
+              <a:rPr lang="en-US"/>
               <a:t>Drag picture to placeholder or click icon to add</a:t>
             </a:r>
             <a:endParaRPr lang="en-US" dirty="0"/>
@@ -2343,7 +2332,7 @@
           <a:p>
             <a:pPr lvl="0"/>
             <a:r>
-              <a:rPr lang="en-US" smtClean="0"/>
+              <a:rPr lang="en-US"/>
               <a:t>Click to edit Master text styles</a:t>
             </a:r>
           </a:p>
@@ -2365,18 +2354,17 @@
           <a:lstStyle/>
           <a:p>
             <a:r>
-              <a:rPr lang="en-US" dirty="0" smtClean="0"/>
+              <a:rPr lang="en-US" dirty="0"/>
               <a:t>Presenter &lt;</a:t>
             </a:r>
             <a:r>
-              <a:rPr lang="en-US" dirty="0" err="1" smtClean="0"/>
+              <a:rPr lang="en-US" dirty="0" err="1"/>
               <a:t>address@genome.wustl.edu</a:t>
             </a:r>
             <a:r>
-              <a:rPr lang="en-US" dirty="0" smtClean="0"/>
+              <a:rPr lang="en-US" dirty="0"/>
               <a:t>&gt;</a:t>
             </a:r>
-            <a:endParaRPr lang="en-US" dirty="0"/>
           </a:p>
         </p:txBody>
       </p:sp>
@@ -2447,7 +2435,7 @@
           <a:lstStyle/>
           <a:p>
             <a:r>
-              <a:rPr lang="en-US" smtClean="0"/>
+              <a:rPr lang="en-US"/>
               <a:t>Click to edit Master title style</a:t>
             </a:r>
             <a:endParaRPr lang="en-US" dirty="0"/>
@@ -2481,35 +2469,35 @@
           <a:p>
             <a:pPr lvl="0"/>
             <a:r>
-              <a:rPr lang="en-US" smtClean="0"/>
+              <a:rPr lang="en-US"/>
               <a:t>Click to edit Master text styles</a:t>
             </a:r>
           </a:p>
           <a:p>
             <a:pPr lvl="1"/>
             <a:r>
-              <a:rPr lang="en-US" smtClean="0"/>
+              <a:rPr lang="en-US"/>
               <a:t>Second level</a:t>
             </a:r>
           </a:p>
           <a:p>
             <a:pPr lvl="2"/>
             <a:r>
-              <a:rPr lang="en-US" smtClean="0"/>
+              <a:rPr lang="en-US"/>
               <a:t>Third level</a:t>
             </a:r>
           </a:p>
           <a:p>
             <a:pPr lvl="3"/>
             <a:r>
-              <a:rPr lang="en-US" smtClean="0"/>
+              <a:rPr lang="en-US"/>
               <a:t>Fourth level</a:t>
             </a:r>
           </a:p>
           <a:p>
             <a:pPr lvl="4"/>
             <a:r>
-              <a:rPr lang="en-US" smtClean="0"/>
+              <a:rPr lang="en-US"/>
               <a:t>Fifth level</a:t>
             </a:r>
             <a:endParaRPr lang="en-US" dirty="0"/>
@@ -2552,7 +2540,7 @@
           </a:lstStyle>
           <a:p>
             <a:r>
-              <a:rPr lang="en-US" smtClean="0"/>
+              <a:rPr lang="en-US"/>
               <a:t>Presenter &lt;address@genome.wustl.edu&gt;</a:t>
             </a:r>
             <a:endParaRPr lang="en-US" dirty="0"/>
@@ -2945,37 +2933,20 @@
           <a:lstStyle/>
           <a:p>
             <a:r>
-              <a:rPr lang="en-US" dirty="0" err="1" smtClean="0"/>
+              <a:rPr lang="en-US" dirty="0" err="1"/>
               <a:t>GenViz</a:t>
             </a:r>
             <a:r>
-              <a:rPr lang="en-US" dirty="0" smtClean="0"/>
+              <a:rPr lang="en-US" dirty="0"/>
               <a:t> Module 6:</a:t>
             </a:r>
             <a:br>
-              <a:rPr lang="en-US" dirty="0" smtClean="0"/>
+              <a:rPr lang="en-US" dirty="0"/>
             </a:br>
             <a:r>
-              <a:rPr lang="en-US" dirty="0" smtClean="0"/>
-              <a:t>Q </a:t>
-            </a:r>
-            <a:r>
               <a:rPr lang="en-US" dirty="0"/>
-              <a:t>&amp; A, </a:t>
-            </a:r>
-            <a:r>
-              <a:rPr lang="en-US" dirty="0" smtClean="0"/>
-              <a:t>discussion</a:t>
-            </a:r>
-            <a:r>
-              <a:rPr lang="en-US" dirty="0"/>
-              <a:t>, </a:t>
-            </a:r>
-            <a:r>
-              <a:rPr lang="en-US" dirty="0" smtClean="0"/>
-              <a:t>integrated assignments, and working with your own data</a:t>
-            </a:r>
-            <a:endParaRPr lang="en-US" dirty="0"/>
+              <a:t>Q &amp; A, discussion, integrated assignments, and working with your own data</a:t>
+            </a:r>
           </a:p>
         </p:txBody>
       </p:sp>
@@ -3003,34 +2974,35 @@
           <a:p>
             <a:pPr algn="r"/>
             <a:r>
-              <a:rPr lang="en-US" sz="1800" dirty="0" smtClean="0"/>
+              <a:rPr lang="en-US" sz="1800" dirty="0"/>
               <a:t>Malachi Griffith, Obi Griffith, Zachary Skidmore</a:t>
             </a:r>
           </a:p>
           <a:p>
             <a:pPr algn="r"/>
             <a:r>
-              <a:rPr lang="en-US" sz="1800" dirty="0" smtClean="0"/>
+              <a:rPr lang="en-US" sz="1800" dirty="0"/>
               <a:t>Genomic Data Visualization and Interpretation</a:t>
             </a:r>
           </a:p>
           <a:p>
             <a:pPr algn="r"/>
             <a:r>
-              <a:rPr lang="en-US" sz="1800" dirty="0" smtClean="0"/>
-              <a:t>September 11-15, 2017</a:t>
+              <a:rPr lang="en-US" sz="1800" dirty="0"/>
+              <a:t>April 8-12, 2019</a:t>
             </a:r>
           </a:p>
           <a:p>
             <a:pPr algn="r"/>
             <a:r>
-              <a:rPr lang="en-US" sz="1800" dirty="0" smtClean="0"/>
-              <a:t>Berlin </a:t>
-            </a:r>
-          </a:p>
-          <a:p>
-            <a:pPr algn="r"/>
-            <a:endParaRPr lang="en-US" sz="1800" dirty="0" smtClean="0"/>
+              <a:rPr lang="en-US" sz="1800" dirty="0" err="1"/>
+              <a:t>Freie</a:t>
+            </a:r>
+            <a:r>
+              <a:rPr lang="en-US" sz="1800"/>
+              <a:t> Universität Berlin</a:t>
+            </a:r>
+            <a:endParaRPr lang="en-US" sz="1800" dirty="0"/>
           </a:p>
           <a:p>
             <a:pPr algn="r"/>
@@ -3123,13 +3095,6 @@
   <p:clrMapOvr>
     <a:masterClrMapping/>
   </p:clrMapOvr>
-  <p:timing>
-    <p:tnLst>
-      <p:par>
-        <p:cTn xmlns:p14="http://schemas.microsoft.com/office/powerpoint/2010/main" id="1" dur="indefinite" restart="never" nodeType="tmRoot"/>
-      </p:par>
-    </p:tnLst>
-  </p:timing>
 </p:sld>
 </file>
 
@@ -3237,13 +3202,6 @@
   <p:clrMapOvr>
     <a:masterClrMapping/>
   </p:clrMapOvr>
-  <p:timing>
-    <p:tnLst>
-      <p:par>
-        <p:cTn xmlns:p14="http://schemas.microsoft.com/office/powerpoint/2010/main" id="1" dur="indefinite" restart="never" nodeType="tmRoot"/>
-      </p:par>
-    </p:tnLst>
-  </p:timing>
 </p:sld>
 </file>
 
@@ -3280,10 +3238,9 @@
           <a:lstStyle/>
           <a:p>
             <a:r>
-              <a:rPr lang="en-US" dirty="0" smtClean="0"/>
+              <a:rPr lang="en-US" dirty="0"/>
               <a:t>Learning objectives of the course</a:t>
             </a:r>
-            <a:endParaRPr lang="en-US" dirty="0"/>
           </a:p>
         </p:txBody>
       </p:sp>
@@ -3305,74 +3262,43 @@
           <a:lstStyle/>
           <a:p>
             <a:r>
-              <a:rPr lang="en-US" dirty="0" smtClean="0"/>
-              <a:t>Module 1: </a:t>
-            </a:r>
-            <a:r>
               <a:rPr lang="en-US" dirty="0"/>
-              <a:t>Introduction to genomic data visualization and interpretation</a:t>
-            </a:r>
-            <a:endParaRPr lang="en-US" dirty="0" smtClean="0"/>
-          </a:p>
-          <a:p>
-            <a:r>
-              <a:rPr lang="en-US" dirty="0" smtClean="0"/>
-              <a:t>Module 2</a:t>
-            </a:r>
+              <a:t>Module 1: Introduction to genomic data visualization and interpretation</a:t>
+            </a:r>
+          </a:p>
+          <a:p>
             <a:r>
               <a:rPr lang="en-US" dirty="0"/>
-              <a:t>: Using R for genomic data visualization and </a:t>
-            </a:r>
-            <a:r>
-              <a:rPr lang="en-US" dirty="0" smtClean="0"/>
-              <a:t>interpretation</a:t>
-            </a:r>
-          </a:p>
-          <a:p>
-            <a:r>
-              <a:rPr lang="en-US" dirty="0" smtClean="0"/>
-              <a:t>Module 3: </a:t>
-            </a:r>
+              <a:t>Module 2: Using R for genomic data visualization and interpretation</a:t>
+            </a:r>
+          </a:p>
+          <a:p>
             <a:r>
               <a:rPr lang="en-US" dirty="0"/>
-              <a:t>Introduction to </a:t>
-            </a:r>
-            <a:r>
-              <a:rPr lang="en-US" dirty="0" err="1" smtClean="0"/>
+              <a:t>Module 3: Introduction to </a:t>
+            </a:r>
+            <a:r>
+              <a:rPr lang="en-US" dirty="0" err="1"/>
               <a:t>GenVisR</a:t>
             </a:r>
-            <a:endParaRPr lang="en-US" dirty="0" smtClean="0"/>
+            <a:endParaRPr lang="en-US" dirty="0"/>
           </a:p>
           <a:p>
             <a:r>
               <a:rPr lang="en-US" dirty="0"/>
               <a:t>Module 4: Expression profiling, visualization, and interpretation</a:t>
             </a:r>
-            <a:endParaRPr lang="en-US" dirty="0" smtClean="0"/>
-          </a:p>
-          <a:p>
-            <a:r>
-              <a:rPr lang="en-US" dirty="0" smtClean="0"/>
-              <a:t>Module 5</a:t>
-            </a:r>
+          </a:p>
+          <a:p>
             <a:r>
               <a:rPr lang="en-US" dirty="0"/>
-              <a:t>: Variant annotation and interpretation</a:t>
-            </a:r>
-            <a:endParaRPr lang="en-US" dirty="0" smtClean="0"/>
-          </a:p>
-          <a:p>
-            <a:r>
-              <a:rPr lang="en-US" b="1" dirty="0" smtClean="0"/>
-              <a:t>Module 6</a:t>
-            </a:r>
+              <a:t>Module 5: Variant annotation and interpretation</a:t>
+            </a:r>
+          </a:p>
+          <a:p>
             <a:r>
               <a:rPr lang="en-US" b="1" dirty="0"/>
-              <a:t>: Q &amp; A, discussion, integrated assignments, and working with your own </a:t>
-            </a:r>
-            <a:r>
-              <a:rPr lang="en-US" b="1" dirty="0" smtClean="0"/>
-              <a:t>data</a:t>
+              <a:t>Module 6: Q &amp; A, discussion, integrated assignments, and working with your own data</a:t>
             </a:r>
           </a:p>
           <a:p>
@@ -3380,24 +3306,23 @@
           </a:p>
           <a:p>
             <a:r>
-              <a:rPr lang="en-US" dirty="0" smtClean="0"/>
+              <a:rPr lang="en-US" dirty="0"/>
               <a:t>Tutorials</a:t>
             </a:r>
           </a:p>
           <a:p>
             <a:pPr lvl="1"/>
             <a:r>
-              <a:rPr lang="en-US" dirty="0" smtClean="0"/>
+              <a:rPr lang="en-US" dirty="0"/>
               <a:t>Provide working examples of data visualization and interpretation</a:t>
             </a:r>
           </a:p>
           <a:p>
             <a:pPr lvl="1"/>
             <a:r>
-              <a:rPr lang="en-US" dirty="0" smtClean="0"/>
+              <a:rPr lang="en-US" dirty="0"/>
               <a:t>Self contained, self explanatory, portable </a:t>
             </a:r>
-            <a:endParaRPr lang="en-US" dirty="0"/>
           </a:p>
         </p:txBody>
       </p:sp>
@@ -3411,13 +3336,6 @@
   <p:clrMapOvr>
     <a:masterClrMapping/>
   </p:clrMapOvr>
-  <p:timing>
-    <p:tnLst>
-      <p:par>
-        <p:cTn xmlns:p14="http://schemas.microsoft.com/office/powerpoint/2010/main" id="1" dur="indefinite" restart="never" nodeType="tmRoot"/>
-      </p:par>
-    </p:tnLst>
-  </p:timing>
 </p:sld>
 </file>
 
@@ -3454,10 +3372,9 @@
           <a:lstStyle/>
           <a:p>
             <a:r>
-              <a:rPr lang="en-US" dirty="0" smtClean="0"/>
+              <a:rPr lang="en-US" dirty="0"/>
               <a:t>Learning objectives of module 6</a:t>
             </a:r>
-            <a:endParaRPr lang="en-US" dirty="0"/>
           </a:p>
         </p:txBody>
       </p:sp>
@@ -3478,13 +3395,8 @@
           <a:p>
             <a:r>
               <a:rPr lang="en-US" dirty="0"/>
-              <a:t>Q &amp; A, discussion, integrated assignments, and working with your own </a:t>
-            </a:r>
-            <a:r>
-              <a:rPr lang="en-US" dirty="0" smtClean="0"/>
-              <a:t>data</a:t>
-            </a:r>
-            <a:endParaRPr lang="en-US" dirty="0" smtClean="0"/>
+              <a:t>Q &amp; A, discussion, integrated assignments, and working with your own data</a:t>
+            </a:r>
           </a:p>
         </p:txBody>
       </p:sp>
@@ -3498,13 +3410,6 @@
   <p:clrMapOvr>
     <a:masterClrMapping/>
   </p:clrMapOvr>
-  <p:timing>
-    <p:tnLst>
-      <p:par>
-        <p:cTn xmlns:p14="http://schemas.microsoft.com/office/powerpoint/2010/main" id="1" dur="indefinite" restart="never" nodeType="tmRoot"/>
-      </p:par>
-    </p:tnLst>
-  </p:timing>
 </p:sld>
 </file>
 
@@ -3541,10 +3446,9 @@
           <a:lstStyle/>
           <a:p>
             <a:r>
-              <a:rPr lang="en-US" dirty="0" smtClean="0"/>
+              <a:rPr lang="en-US" dirty="0"/>
               <a:t>Questions and discussion</a:t>
             </a:r>
-            <a:endParaRPr lang="en-US" dirty="0"/>
           </a:p>
         </p:txBody>
       </p:sp>
@@ -3564,7 +3468,7 @@
           <a:lstStyle/>
           <a:p>
             <a:pPr algn="ctr"/>
-            <a:endParaRPr lang="en-US" dirty="0" smtClean="0"/>
+            <a:endParaRPr lang="en-US" dirty="0"/>
           </a:p>
           <a:p>
             <a:pPr algn="ctr"/>
@@ -3572,7 +3476,7 @@
           </a:p>
           <a:p>
             <a:pPr algn="ctr"/>
-            <a:endParaRPr lang="en-US" dirty="0" smtClean="0"/>
+            <a:endParaRPr lang="en-US" dirty="0"/>
           </a:p>
           <a:p>
             <a:pPr algn="ctr"/>
@@ -3580,19 +3484,15 @@
           </a:p>
           <a:p>
             <a:pPr algn="ctr"/>
-            <a:endParaRPr lang="en-US" dirty="0" smtClean="0"/>
+            <a:endParaRPr lang="en-US" dirty="0"/>
           </a:p>
           <a:p>
             <a:pPr marL="0" indent="0" algn="ctr">
               <a:buNone/>
             </a:pPr>
             <a:r>
-              <a:rPr lang="en-US" dirty="0" smtClean="0"/>
-              <a:t>Before </a:t>
-            </a:r>
-            <a:r>
               <a:rPr lang="en-US" dirty="0"/>
-              <a:t>starting with the advanced exercises, are there any questions or topics for discussion?</a:t>
+              <a:t>Before starting with the advanced exercises, are there any questions or topics for discussion?</a:t>
             </a:r>
           </a:p>
           <a:p>
@@ -3651,10 +3551,9 @@
           <a:lstStyle/>
           <a:p>
             <a:r>
-              <a:rPr lang="en-US" dirty="0" smtClean="0"/>
+              <a:rPr lang="en-US" dirty="0"/>
               <a:t>Integrated assignments and working with your own data</a:t>
             </a:r>
-            <a:endParaRPr lang="en-US" dirty="0"/>
           </a:p>
         </p:txBody>
       </p:sp>
@@ -3677,7 +3576,7 @@
               <a:buNone/>
             </a:pPr>
             <a:r>
-              <a:rPr lang="en-US" dirty="0" smtClean="0"/>
+              <a:rPr lang="en-US" dirty="0"/>
               <a:t>Two general options</a:t>
             </a:r>
           </a:p>
@@ -3690,7 +3589,7 @@
               <a:buAutoNum type="arabicPeriod"/>
             </a:pPr>
             <a:r>
-              <a:rPr lang="en-US" dirty="0" smtClean="0"/>
+              <a:rPr lang="en-US" dirty="0"/>
               <a:t>If you have your own data. Try to apply something you learned this week to visualize that data</a:t>
             </a:r>
           </a:p>
@@ -3699,7 +3598,7 @@
               <a:buFont typeface="+mj-lt"/>
               <a:buAutoNum type="arabicPeriod"/>
             </a:pPr>
-            <a:endParaRPr lang="en-US" dirty="0" smtClean="0"/>
+            <a:endParaRPr lang="en-US" dirty="0"/>
           </a:p>
           <a:p>
             <a:pPr marL="457200" indent="-457200">
@@ -3707,20 +3606,19 @@
               <a:buAutoNum type="arabicPeriod"/>
             </a:pPr>
             <a:r>
-              <a:rPr lang="en-US" dirty="0" smtClean="0"/>
+              <a:rPr lang="en-US" dirty="0"/>
               <a:t>If you don’t have your own data, there are optional integrated exercises in module 6 at </a:t>
             </a:r>
             <a:r>
-              <a:rPr lang="en-US" dirty="0" smtClean="0">
+              <a:rPr lang="en-US" dirty="0">
                 <a:hlinkClick r:id="rId2"/>
               </a:rPr>
               <a:t>www.GenViz.org</a:t>
             </a:r>
             <a:r>
-              <a:rPr lang="en-US" dirty="0" smtClean="0"/>
+              <a:rPr lang="en-US" dirty="0"/>
               <a:t>  </a:t>
             </a:r>
-            <a:endParaRPr lang="en-US" dirty="0"/>
           </a:p>
         </p:txBody>
       </p:sp>
@@ -3998,7 +3896,7 @@
   <a:extraClrSchemeLst/>
   <a:extLst>
     <a:ext uri="{05A4C25C-085E-4340-85A3-A5531E510DB2}">
-      <thm15:themeFamily xmlns:thm15="http://schemas.microsoft.com/office/thememl/2012/main" xmlns="" name="MGI_4-3_ratio_v1a" id="{9A0171FA-20F4-F840-B1C8-29D686AB0540}" vid="{60506783-C923-7847-B1CA-7C860CC95497}"/>
+      <thm15:themeFamily xmlns:thm15="http://schemas.microsoft.com/office/thememl/2012/main" name="MGI_4-3_ratio_v1a" id="{9A0171FA-20F4-F840-B1C8-29D686AB0540}" vid="{60506783-C923-7847-B1CA-7C860CC95497}"/>
     </a:ext>
   </a:extLst>
 </a:theme>
